--- a/idaoba.pptx
+++ b/idaoba.pptx
@@ -260,7 +260,7 @@
           <a:p>
             <a:fld id="{BDABB608-AE4D-45B8-A3B2-37AE598228B1}" type="datetimeFigureOut">
               <a:rPr lang="zh-CN" altLang="en-US" smtClean="0"/>
-              <a:t>2021/12/14</a:t>
+              <a:t>2021/12/15</a:t>
             </a:fld>
             <a:endParaRPr lang="zh-CN" altLang="en-US"/>
           </a:p>
@@ -458,7 +458,7 @@
           <a:p>
             <a:fld id="{BDABB608-AE4D-45B8-A3B2-37AE598228B1}" type="datetimeFigureOut">
               <a:rPr lang="zh-CN" altLang="en-US" smtClean="0"/>
-              <a:t>2021/12/14</a:t>
+              <a:t>2021/12/15</a:t>
             </a:fld>
             <a:endParaRPr lang="zh-CN" altLang="en-US"/>
           </a:p>
@@ -666,7 +666,7 @@
           <a:p>
             <a:fld id="{BDABB608-AE4D-45B8-A3B2-37AE598228B1}" type="datetimeFigureOut">
               <a:rPr lang="zh-CN" altLang="en-US" smtClean="0"/>
-              <a:t>2021/12/14</a:t>
+              <a:t>2021/12/15</a:t>
             </a:fld>
             <a:endParaRPr lang="zh-CN" altLang="en-US"/>
           </a:p>
@@ -864,7 +864,7 @@
           <a:p>
             <a:fld id="{BDABB608-AE4D-45B8-A3B2-37AE598228B1}" type="datetimeFigureOut">
               <a:rPr lang="zh-CN" altLang="en-US" smtClean="0"/>
-              <a:t>2021/12/14</a:t>
+              <a:t>2021/12/15</a:t>
             </a:fld>
             <a:endParaRPr lang="zh-CN" altLang="en-US"/>
           </a:p>
@@ -1139,7 +1139,7 @@
           <a:p>
             <a:fld id="{BDABB608-AE4D-45B8-A3B2-37AE598228B1}" type="datetimeFigureOut">
               <a:rPr lang="zh-CN" altLang="en-US" smtClean="0"/>
-              <a:t>2021/12/14</a:t>
+              <a:t>2021/12/15</a:t>
             </a:fld>
             <a:endParaRPr lang="zh-CN" altLang="en-US"/>
           </a:p>
@@ -1404,7 +1404,7 @@
           <a:p>
             <a:fld id="{BDABB608-AE4D-45B8-A3B2-37AE598228B1}" type="datetimeFigureOut">
               <a:rPr lang="zh-CN" altLang="en-US" smtClean="0"/>
-              <a:t>2021/12/14</a:t>
+              <a:t>2021/12/15</a:t>
             </a:fld>
             <a:endParaRPr lang="zh-CN" altLang="en-US"/>
           </a:p>
@@ -1816,7 +1816,7 @@
           <a:p>
             <a:fld id="{BDABB608-AE4D-45B8-A3B2-37AE598228B1}" type="datetimeFigureOut">
               <a:rPr lang="zh-CN" altLang="en-US" smtClean="0"/>
-              <a:t>2021/12/14</a:t>
+              <a:t>2021/12/15</a:t>
             </a:fld>
             <a:endParaRPr lang="zh-CN" altLang="en-US"/>
           </a:p>
@@ -1957,7 +1957,7 @@
           <a:p>
             <a:fld id="{BDABB608-AE4D-45B8-A3B2-37AE598228B1}" type="datetimeFigureOut">
               <a:rPr lang="zh-CN" altLang="en-US" smtClean="0"/>
-              <a:t>2021/12/14</a:t>
+              <a:t>2021/12/15</a:t>
             </a:fld>
             <a:endParaRPr lang="zh-CN" altLang="en-US"/>
           </a:p>
@@ -2070,7 +2070,7 @@
           <a:p>
             <a:fld id="{BDABB608-AE4D-45B8-A3B2-37AE598228B1}" type="datetimeFigureOut">
               <a:rPr lang="zh-CN" altLang="en-US" smtClean="0"/>
-              <a:t>2021/12/14</a:t>
+              <a:t>2021/12/15</a:t>
             </a:fld>
             <a:endParaRPr lang="zh-CN" altLang="en-US"/>
           </a:p>
@@ -2381,7 +2381,7 @@
           <a:p>
             <a:fld id="{BDABB608-AE4D-45B8-A3B2-37AE598228B1}" type="datetimeFigureOut">
               <a:rPr lang="zh-CN" altLang="en-US" smtClean="0"/>
-              <a:t>2021/12/14</a:t>
+              <a:t>2021/12/15</a:t>
             </a:fld>
             <a:endParaRPr lang="zh-CN" altLang="en-US"/>
           </a:p>
@@ -2669,7 +2669,7 @@
           <a:p>
             <a:fld id="{BDABB608-AE4D-45B8-A3B2-37AE598228B1}" type="datetimeFigureOut">
               <a:rPr lang="zh-CN" altLang="en-US" smtClean="0"/>
-              <a:t>2021/12/14</a:t>
+              <a:t>2021/12/15</a:t>
             </a:fld>
             <a:endParaRPr lang="zh-CN" altLang="en-US"/>
           </a:p>
@@ -2910,7 +2910,7 @@
           <a:p>
             <a:fld id="{BDABB608-AE4D-45B8-A3B2-37AE598228B1}" type="datetimeFigureOut">
               <a:rPr lang="zh-CN" altLang="en-US" smtClean="0"/>
-              <a:t>2021/12/14</a:t>
+              <a:t>2021/12/15</a:t>
             </a:fld>
             <a:endParaRPr lang="zh-CN" altLang="en-US"/>
           </a:p>
@@ -3376,7 +3376,7 @@
         </p:blipFill>
         <p:spPr>
           <a:xfrm>
-            <a:off x="717351" y="2559252"/>
+            <a:off x="2283934" y="2418058"/>
             <a:ext cx="6335302" cy="3330559"/>
           </a:xfrm>
           <a:prstGeom prst="rect">
@@ -3422,7 +3422,7 @@
         </p:blipFill>
         <p:spPr>
           <a:xfrm>
-            <a:off x="5139348" y="602705"/>
+            <a:off x="4715765" y="752779"/>
             <a:ext cx="6335301" cy="3330558"/>
           </a:xfrm>
           <a:prstGeom prst="rect">
